--- a/Tasks.pptx
+++ b/Tasks.pptx
@@ -8,6 +8,7 @@
     <p:sldId id="259" r:id="rId2"/>
     <p:sldId id="256" r:id="rId3"/>
     <p:sldId id="257" r:id="rId4"/>
+    <p:sldId id="260" r:id="rId5"/>
   </p:sldIdLst>
   <p:sldSz cx="18002250" cy="6858000"/>
   <p:notesSz cx="6858000" cy="9144000"/>
@@ -120,6 +121,11 @@
             <p14:sldId id="257"/>
           </p14:sldIdLst>
         </p14:section>
+        <p14:section name="TASK 3" id="{737755CE-85BF-4CEE-99E4-770C1A9BFF75}">
+          <p14:sldIdLst>
+            <p14:sldId id="260"/>
+          </p14:sldIdLst>
+        </p14:section>
       </p14:sectionLst>
     </p:ext>
   </p:extLst>
@@ -307,7 +313,7 @@
           <a:p>
             <a:fld id="{30EE7C57-0FCA-45A3-AD63-664E25C6C1AD}" type="datetimeFigureOut">
               <a:rPr lang="en-IN" smtClean="0"/>
-              <a:t>02-05-2024</a:t>
+              <a:t>03-05-2024</a:t>
             </a:fld>
             <a:endParaRPr lang="en-IN"/>
           </a:p>
@@ -477,7 +483,7 @@
           <a:p>
             <a:fld id="{30EE7C57-0FCA-45A3-AD63-664E25C6C1AD}" type="datetimeFigureOut">
               <a:rPr lang="en-IN" smtClean="0"/>
-              <a:t>02-05-2024</a:t>
+              <a:t>03-05-2024</a:t>
             </a:fld>
             <a:endParaRPr lang="en-IN"/>
           </a:p>
@@ -657,7 +663,7 @@
           <a:p>
             <a:fld id="{30EE7C57-0FCA-45A3-AD63-664E25C6C1AD}" type="datetimeFigureOut">
               <a:rPr lang="en-IN" smtClean="0"/>
-              <a:t>02-05-2024</a:t>
+              <a:t>03-05-2024</a:t>
             </a:fld>
             <a:endParaRPr lang="en-IN"/>
           </a:p>
@@ -827,7 +833,7 @@
           <a:p>
             <a:fld id="{30EE7C57-0FCA-45A3-AD63-664E25C6C1AD}" type="datetimeFigureOut">
               <a:rPr lang="en-IN" smtClean="0"/>
-              <a:t>02-05-2024</a:t>
+              <a:t>03-05-2024</a:t>
             </a:fld>
             <a:endParaRPr lang="en-IN"/>
           </a:p>
@@ -1073,7 +1079,7 @@
           <a:p>
             <a:fld id="{30EE7C57-0FCA-45A3-AD63-664E25C6C1AD}" type="datetimeFigureOut">
               <a:rPr lang="en-IN" smtClean="0"/>
-              <a:t>02-05-2024</a:t>
+              <a:t>03-05-2024</a:t>
             </a:fld>
             <a:endParaRPr lang="en-IN"/>
           </a:p>
@@ -1361,7 +1367,7 @@
           <a:p>
             <a:fld id="{30EE7C57-0FCA-45A3-AD63-664E25C6C1AD}" type="datetimeFigureOut">
               <a:rPr lang="en-IN" smtClean="0"/>
-              <a:t>02-05-2024</a:t>
+              <a:t>03-05-2024</a:t>
             </a:fld>
             <a:endParaRPr lang="en-IN"/>
           </a:p>
@@ -1783,7 +1789,7 @@
           <a:p>
             <a:fld id="{30EE7C57-0FCA-45A3-AD63-664E25C6C1AD}" type="datetimeFigureOut">
               <a:rPr lang="en-IN" smtClean="0"/>
-              <a:t>02-05-2024</a:t>
+              <a:t>03-05-2024</a:t>
             </a:fld>
             <a:endParaRPr lang="en-IN"/>
           </a:p>
@@ -1901,7 +1907,7 @@
           <a:p>
             <a:fld id="{30EE7C57-0FCA-45A3-AD63-664E25C6C1AD}" type="datetimeFigureOut">
               <a:rPr lang="en-IN" smtClean="0"/>
-              <a:t>02-05-2024</a:t>
+              <a:t>03-05-2024</a:t>
             </a:fld>
             <a:endParaRPr lang="en-IN"/>
           </a:p>
@@ -1996,7 +2002,7 @@
           <a:p>
             <a:fld id="{30EE7C57-0FCA-45A3-AD63-664E25C6C1AD}" type="datetimeFigureOut">
               <a:rPr lang="en-IN" smtClean="0"/>
-              <a:t>02-05-2024</a:t>
+              <a:t>03-05-2024</a:t>
             </a:fld>
             <a:endParaRPr lang="en-IN"/>
           </a:p>
@@ -2273,7 +2279,7 @@
           <a:p>
             <a:fld id="{30EE7C57-0FCA-45A3-AD63-664E25C6C1AD}" type="datetimeFigureOut">
               <a:rPr lang="en-IN" smtClean="0"/>
-              <a:t>02-05-2024</a:t>
+              <a:t>03-05-2024</a:t>
             </a:fld>
             <a:endParaRPr lang="en-IN"/>
           </a:p>
@@ -2526,7 +2532,7 @@
           <a:p>
             <a:fld id="{30EE7C57-0FCA-45A3-AD63-664E25C6C1AD}" type="datetimeFigureOut">
               <a:rPr lang="en-IN" smtClean="0"/>
-              <a:t>02-05-2024</a:t>
+              <a:t>03-05-2024</a:t>
             </a:fld>
             <a:endParaRPr lang="en-IN"/>
           </a:p>
@@ -2739,7 +2745,7 @@
           <a:p>
             <a:fld id="{30EE7C57-0FCA-45A3-AD63-664E25C6C1AD}" type="datetimeFigureOut">
               <a:rPr lang="en-IN" smtClean="0"/>
-              <a:t>02-05-2024</a:t>
+              <a:t>03-05-2024</a:t>
             </a:fld>
             <a:endParaRPr lang="en-IN"/>
           </a:p>
@@ -7076,6 +7082,917 @@
     <p:extLst>
       <p:ext uri="{BB962C8B-B14F-4D97-AF65-F5344CB8AC3E}">
         <p14:creationId xmlns:p14="http://schemas.microsoft.com/office/powerpoint/2010/main" val="2914181773"/>
+      </p:ext>
+    </p:extLst>
+  </p:cSld>
+  <p:clrMapOvr>
+    <a:masterClrMapping/>
+  </p:clrMapOvr>
+</p:sld>
+</file>
+
+<file path=ppt/slides/slide4.xml><?xml version="1.0" encoding="utf-8"?>
+<p:sld xmlns:a="http://schemas.openxmlformats.org/drawingml/2006/main" xmlns:r="http://schemas.openxmlformats.org/officeDocument/2006/relationships" xmlns:p="http://schemas.openxmlformats.org/presentationml/2006/main">
+  <p:cSld>
+    <p:spTree>
+      <p:nvGrpSpPr>
+        <p:cNvPr id="1" name=""/>
+        <p:cNvGrpSpPr/>
+        <p:nvPr/>
+      </p:nvGrpSpPr>
+      <p:grpSpPr>
+        <a:xfrm>
+          <a:off x="0" y="0"/>
+          <a:ext cx="0" cy="0"/>
+          <a:chOff x="0" y="0"/>
+          <a:chExt cx="0" cy="0"/>
+        </a:xfrm>
+      </p:grpSpPr>
+      <p:sp>
+        <p:nvSpPr>
+          <p:cNvPr id="2" name="Rectangle 1"/>
+          <p:cNvSpPr/>
+          <p:nvPr/>
+        </p:nvSpPr>
+        <p:spPr>
+          <a:xfrm>
+            <a:off x="-71883" y="0"/>
+            <a:ext cx="5031684" cy="6858000"/>
+          </a:xfrm>
+          <a:prstGeom prst="rect">
+            <a:avLst/>
+          </a:prstGeom>
+        </p:spPr>
+        <p:style>
+          <a:lnRef idx="2">
+            <a:schemeClr val="dk1"/>
+          </a:lnRef>
+          <a:fillRef idx="1">
+            <a:schemeClr val="lt1"/>
+          </a:fillRef>
+          <a:effectRef idx="0">
+            <a:schemeClr val="dk1"/>
+          </a:effectRef>
+          <a:fontRef idx="minor">
+            <a:schemeClr val="dk1"/>
+          </a:fontRef>
+        </p:style>
+        <p:txBody>
+          <a:bodyPr rtlCol="0" anchor="ctr"/>
+          <a:lstStyle/>
+          <a:p>
+            <a:pPr algn="ctr"/>
+            <a:endParaRPr lang="en-IN"/>
+          </a:p>
+        </p:txBody>
+      </p:sp>
+      <p:sp>
+        <p:nvSpPr>
+          <p:cNvPr id="5" name="Rectangle 4"/>
+          <p:cNvSpPr/>
+          <p:nvPr/>
+        </p:nvSpPr>
+        <p:spPr>
+          <a:xfrm>
+            <a:off x="-71883" y="548680"/>
+            <a:ext cx="3096000" cy="540000"/>
+          </a:xfrm>
+          <a:prstGeom prst="rect">
+            <a:avLst/>
+          </a:prstGeom>
+        </p:spPr>
+        <p:style>
+          <a:lnRef idx="1">
+            <a:schemeClr val="dk1"/>
+          </a:lnRef>
+          <a:fillRef idx="2">
+            <a:schemeClr val="dk1"/>
+          </a:fillRef>
+          <a:effectRef idx="1">
+            <a:schemeClr val="dk1"/>
+          </a:effectRef>
+          <a:fontRef idx="minor">
+            <a:schemeClr val="dk1"/>
+          </a:fontRef>
+        </p:style>
+        <p:txBody>
+          <a:bodyPr rtlCol="0" anchor="ctr"/>
+          <a:lstStyle/>
+          <a:p>
+            <a:pPr algn="ctr"/>
+            <a:r>
+              <a:rPr lang="en-US" sz="1700" dirty="0" smtClean="0">
+                <a:latin typeface="Times New Roman" pitchFamily="18" charset="0"/>
+                <a:cs typeface="Times New Roman" pitchFamily="18" charset="0"/>
+              </a:rPr>
+              <a:t>RISK</a:t>
+            </a:r>
+            <a:endParaRPr lang="en-IN" sz="1700" dirty="0">
+              <a:latin typeface="Times New Roman" pitchFamily="18" charset="0"/>
+              <a:cs typeface="Times New Roman" pitchFamily="18" charset="0"/>
+            </a:endParaRPr>
+          </a:p>
+        </p:txBody>
+      </p:sp>
+      <p:sp>
+        <p:nvSpPr>
+          <p:cNvPr id="4" name="Rectangle 3"/>
+          <p:cNvSpPr/>
+          <p:nvPr/>
+        </p:nvSpPr>
+        <p:spPr>
+          <a:xfrm>
+            <a:off x="-71883" y="1065"/>
+            <a:ext cx="3096000" cy="540000"/>
+          </a:xfrm>
+          <a:prstGeom prst="rect">
+            <a:avLst/>
+          </a:prstGeom>
+        </p:spPr>
+        <p:style>
+          <a:lnRef idx="1">
+            <a:schemeClr val="accent1"/>
+          </a:lnRef>
+          <a:fillRef idx="2">
+            <a:schemeClr val="accent1"/>
+          </a:fillRef>
+          <a:effectRef idx="1">
+            <a:schemeClr val="accent1"/>
+          </a:effectRef>
+          <a:fontRef idx="minor">
+            <a:schemeClr val="dk1"/>
+          </a:fontRef>
+        </p:style>
+        <p:txBody>
+          <a:bodyPr rtlCol="0" anchor="ctr"/>
+          <a:lstStyle/>
+          <a:p>
+            <a:pPr algn="ctr"/>
+            <a:r>
+              <a:rPr lang="en-US" sz="1700" dirty="0" smtClean="0">
+                <a:latin typeface="Times New Roman" pitchFamily="18" charset="0"/>
+                <a:cs typeface="Times New Roman" pitchFamily="18" charset="0"/>
+              </a:rPr>
+              <a:t>IDEA</a:t>
+            </a:r>
+            <a:endParaRPr lang="en-IN" sz="1700" dirty="0">
+              <a:latin typeface="Times New Roman" pitchFamily="18" charset="0"/>
+              <a:cs typeface="Times New Roman" pitchFamily="18" charset="0"/>
+            </a:endParaRPr>
+          </a:p>
+        </p:txBody>
+      </p:sp>
+      <p:sp>
+        <p:nvSpPr>
+          <p:cNvPr id="3" name="Rectangle 2"/>
+          <p:cNvSpPr/>
+          <p:nvPr/>
+        </p:nvSpPr>
+        <p:spPr>
+          <a:xfrm>
+            <a:off x="3024461" y="1064"/>
+            <a:ext cx="14977789" cy="6858000"/>
+          </a:xfrm>
+          <a:prstGeom prst="rect">
+            <a:avLst/>
+          </a:prstGeom>
+        </p:spPr>
+        <p:style>
+          <a:lnRef idx="2">
+            <a:schemeClr val="dk1"/>
+          </a:lnRef>
+          <a:fillRef idx="1">
+            <a:schemeClr val="lt1"/>
+          </a:fillRef>
+          <a:effectRef idx="0">
+            <a:schemeClr val="dk1"/>
+          </a:effectRef>
+          <a:fontRef idx="minor">
+            <a:schemeClr val="dk1"/>
+          </a:fontRef>
+        </p:style>
+        <p:txBody>
+          <a:bodyPr rtlCol="0" anchor="ctr"/>
+          <a:lstStyle/>
+          <a:p>
+            <a:pPr algn="ctr"/>
+            <a:endParaRPr lang="en-IN"/>
+          </a:p>
+        </p:txBody>
+      </p:sp>
+      <p:graphicFrame>
+        <p:nvGraphicFramePr>
+          <p:cNvPr id="6" name="Table 5"/>
+          <p:cNvGraphicFramePr>
+            <a:graphicFrameLocks noGrp="1"/>
+          </p:cNvGraphicFramePr>
+          <p:nvPr>
+            <p:extLst>
+              <p:ext uri="{D42A27DB-BD31-4B8C-83A1-F6EECF244321}">
+                <p14:modId xmlns:p14="http://schemas.microsoft.com/office/powerpoint/2010/main" val="1150614915"/>
+              </p:ext>
+            </p:extLst>
+          </p:nvPr>
+        </p:nvGraphicFramePr>
+        <p:xfrm>
+          <a:off x="3024461" y="1196753"/>
+          <a:ext cx="14977787" cy="2026920"/>
+        </p:xfrm>
+        <a:graphic>
+          <a:graphicData uri="http://schemas.openxmlformats.org/drawingml/2006/table">
+            <a:tbl>
+              <a:tblPr firstRow="1" bandRow="1">
+                <a:tableStyleId>{5940675A-B579-460E-94D1-54222C63F5DA}</a:tableStyleId>
+              </a:tblPr>
+              <a:tblGrid>
+                <a:gridCol w="1091840"/>
+                <a:gridCol w="1099195"/>
+                <a:gridCol w="2083890"/>
+                <a:gridCol w="2014666"/>
+                <a:gridCol w="3219307"/>
+                <a:gridCol w="2990586"/>
+                <a:gridCol w="2478303"/>
+              </a:tblGrid>
+              <a:tr h="433131">
+                <a:tc>
+                  <a:txBody>
+                    <a:bodyPr/>
+                    <a:lstStyle/>
+                    <a:p>
+                      <a:pPr algn="ctr"/>
+                      <a:r>
+                        <a:rPr lang="en-US" sz="1700" b="1" dirty="0" smtClean="0">
+                          <a:latin typeface="Times New Roman" pitchFamily="18" charset="0"/>
+                          <a:cs typeface="Times New Roman" pitchFamily="18" charset="0"/>
+                        </a:rPr>
+                        <a:t>SR.NO</a:t>
+                      </a:r>
+                      <a:endParaRPr lang="en-IN" sz="1700" b="1" dirty="0">
+                        <a:latin typeface="Times New Roman" pitchFamily="18" charset="0"/>
+                        <a:cs typeface="Times New Roman" pitchFamily="18" charset="0"/>
+                      </a:endParaRPr>
+                    </a:p>
+                  </a:txBody>
+                  <a:tcPr marL="180023" marR="180023" anchor="ctr"/>
+                </a:tc>
+                <a:tc>
+                  <a:txBody>
+                    <a:bodyPr/>
+                    <a:lstStyle/>
+                    <a:p>
+                      <a:pPr algn="ctr"/>
+                      <a:r>
+                        <a:rPr lang="en-US" sz="1700" b="1" dirty="0" smtClean="0">
+                          <a:latin typeface="Times New Roman" pitchFamily="18" charset="0"/>
+                          <a:cs typeface="Times New Roman" pitchFamily="18" charset="0"/>
+                        </a:rPr>
+                        <a:t>NAME</a:t>
+                      </a:r>
+                      <a:endParaRPr lang="en-IN" sz="1700" b="1" dirty="0">
+                        <a:latin typeface="Times New Roman" pitchFamily="18" charset="0"/>
+                        <a:cs typeface="Times New Roman" pitchFamily="18" charset="0"/>
+                      </a:endParaRPr>
+                    </a:p>
+                  </a:txBody>
+                  <a:tcPr marL="180023" marR="180023" anchor="ctr"/>
+                </a:tc>
+                <a:tc>
+                  <a:txBody>
+                    <a:bodyPr/>
+                    <a:lstStyle/>
+                    <a:p>
+                      <a:pPr algn="ctr"/>
+                      <a:r>
+                        <a:rPr lang="en-US" sz="1700" b="1" dirty="0" smtClean="0">
+                          <a:latin typeface="Times New Roman" pitchFamily="18" charset="0"/>
+                          <a:cs typeface="Times New Roman" pitchFamily="18" charset="0"/>
+                        </a:rPr>
+                        <a:t>SUBCATEGORY</a:t>
+                      </a:r>
+                      <a:endParaRPr lang="en-IN" sz="1700" b="1" dirty="0">
+                        <a:latin typeface="Times New Roman" pitchFamily="18" charset="0"/>
+                        <a:cs typeface="Times New Roman" pitchFamily="18" charset="0"/>
+                      </a:endParaRPr>
+                    </a:p>
+                  </a:txBody>
+                  <a:tcPr marL="180023" marR="180023" anchor="ctr"/>
+                </a:tc>
+                <a:tc>
+                  <a:txBody>
+                    <a:bodyPr/>
+                    <a:lstStyle/>
+                    <a:p>
+                      <a:pPr algn="ctr"/>
+                      <a:r>
+                        <a:rPr lang="en-US" sz="1700" b="1" dirty="0" smtClean="0">
+                          <a:latin typeface="Times New Roman" pitchFamily="18" charset="0"/>
+                          <a:cs typeface="Times New Roman" pitchFamily="18" charset="0"/>
+                        </a:rPr>
+                        <a:t>BUDGET AMOUNT</a:t>
+                      </a:r>
+                      <a:endParaRPr lang="en-IN" sz="1700" b="1" dirty="0">
+                        <a:latin typeface="Times New Roman" pitchFamily="18" charset="0"/>
+                        <a:cs typeface="Times New Roman" pitchFamily="18" charset="0"/>
+                      </a:endParaRPr>
+                    </a:p>
+                  </a:txBody>
+                  <a:tcPr marL="180023" marR="180023" anchor="ctr"/>
+                </a:tc>
+                <a:tc>
+                  <a:txBody>
+                    <a:bodyPr/>
+                    <a:lstStyle/>
+                    <a:p>
+                      <a:pPr algn="ctr"/>
+                      <a:r>
+                        <a:rPr lang="en-US" sz="1700" b="1" dirty="0" smtClean="0">
+                          <a:latin typeface="Times New Roman" pitchFamily="18" charset="0"/>
+                          <a:cs typeface="Times New Roman" pitchFamily="18" charset="0"/>
+                        </a:rPr>
+                        <a:t>MAXIMUM</a:t>
+                      </a:r>
+                      <a:r>
+                        <a:rPr lang="en-US" sz="1700" b="1" baseline="0" dirty="0" smtClean="0">
+                          <a:latin typeface="Times New Roman" pitchFamily="18" charset="0"/>
+                          <a:cs typeface="Times New Roman" pitchFamily="18" charset="0"/>
+                        </a:rPr>
+                        <a:t> INVESTMENT LIMIT</a:t>
+                      </a:r>
+                      <a:endParaRPr lang="en-IN" sz="1700" b="1" dirty="0">
+                        <a:latin typeface="Times New Roman" pitchFamily="18" charset="0"/>
+                        <a:cs typeface="Times New Roman" pitchFamily="18" charset="0"/>
+                      </a:endParaRPr>
+                    </a:p>
+                  </a:txBody>
+                  <a:tcPr marL="180023" marR="180023" anchor="ctr"/>
+                </a:tc>
+                <a:tc>
+                  <a:txBody>
+                    <a:bodyPr/>
+                    <a:lstStyle/>
+                    <a:p>
+                      <a:pPr algn="ctr"/>
+                      <a:r>
+                        <a:rPr lang="en-US" sz="1700" b="1" dirty="0" smtClean="0">
+                          <a:latin typeface="Times New Roman" pitchFamily="18" charset="0"/>
+                          <a:cs typeface="Times New Roman" pitchFamily="18" charset="0"/>
+                        </a:rPr>
+                        <a:t>MINIUM</a:t>
+                      </a:r>
+                      <a:r>
+                        <a:rPr lang="en-US" sz="1700" b="1" baseline="0" dirty="0" smtClean="0">
+                          <a:latin typeface="Times New Roman" pitchFamily="18" charset="0"/>
+                          <a:cs typeface="Times New Roman" pitchFamily="18" charset="0"/>
+                        </a:rPr>
+                        <a:t> INVESTMENT LIMIT</a:t>
+                      </a:r>
+                      <a:endParaRPr lang="en-IN" sz="1700" b="1" dirty="0">
+                        <a:latin typeface="Times New Roman" pitchFamily="18" charset="0"/>
+                        <a:cs typeface="Times New Roman" pitchFamily="18" charset="0"/>
+                      </a:endParaRPr>
+                    </a:p>
+                  </a:txBody>
+                  <a:tcPr marL="180023" marR="180023" anchor="ctr"/>
+                </a:tc>
+                <a:tc>
+                  <a:txBody>
+                    <a:bodyPr/>
+                    <a:lstStyle/>
+                    <a:p>
+                      <a:pPr algn="ctr"/>
+                      <a:r>
+                        <a:rPr lang="en-US" sz="1700" b="1" dirty="0" smtClean="0">
+                          <a:latin typeface="Times New Roman" pitchFamily="18" charset="0"/>
+                          <a:cs typeface="Times New Roman" pitchFamily="18" charset="0"/>
+                        </a:rPr>
+                        <a:t>EDIT/DELETE/</a:t>
+                      </a:r>
+                    </a:p>
+                    <a:p>
+                      <a:pPr algn="ctr"/>
+                      <a:r>
+                        <a:rPr lang="en-US" sz="1700" b="1" dirty="0" smtClean="0">
+                          <a:latin typeface="Times New Roman" pitchFamily="18" charset="0"/>
+                          <a:cs typeface="Times New Roman" pitchFamily="18" charset="0"/>
+                        </a:rPr>
+                        <a:t>DETAILS</a:t>
+                      </a:r>
+                      <a:endParaRPr lang="en-IN" sz="1700" b="1" dirty="0">
+                        <a:latin typeface="Times New Roman" pitchFamily="18" charset="0"/>
+                        <a:cs typeface="Times New Roman" pitchFamily="18" charset="0"/>
+                      </a:endParaRPr>
+                    </a:p>
+                  </a:txBody>
+                  <a:tcPr marL="180023" marR="180023" anchor="ctr"/>
+                </a:tc>
+              </a:tr>
+              <a:tr h="249050">
+                <a:tc>
+                  <a:txBody>
+                    <a:bodyPr/>
+                    <a:lstStyle/>
+                    <a:p>
+                      <a:pPr algn="ctr"/>
+                      <a:endParaRPr lang="en-IN" sz="1700" b="1" dirty="0">
+                        <a:latin typeface="Times New Roman" pitchFamily="18" charset="0"/>
+                        <a:cs typeface="Times New Roman" pitchFamily="18" charset="0"/>
+                      </a:endParaRPr>
+                    </a:p>
+                  </a:txBody>
+                  <a:tcPr marL="180023" marR="180023"/>
+                </a:tc>
+                <a:tc>
+                  <a:txBody>
+                    <a:bodyPr/>
+                    <a:lstStyle/>
+                    <a:p>
+                      <a:pPr algn="ctr"/>
+                      <a:endParaRPr lang="en-IN" sz="1700" b="1" dirty="0">
+                        <a:latin typeface="Times New Roman" pitchFamily="18" charset="0"/>
+                        <a:cs typeface="Times New Roman" pitchFamily="18" charset="0"/>
+                      </a:endParaRPr>
+                    </a:p>
+                  </a:txBody>
+                  <a:tcPr marL="180023" marR="180023"/>
+                </a:tc>
+                <a:tc>
+                  <a:txBody>
+                    <a:bodyPr/>
+                    <a:lstStyle/>
+                    <a:p>
+                      <a:pPr algn="ctr"/>
+                      <a:endParaRPr lang="en-IN" sz="1700" b="1" dirty="0">
+                        <a:latin typeface="Times New Roman" pitchFamily="18" charset="0"/>
+                        <a:cs typeface="Times New Roman" pitchFamily="18" charset="0"/>
+                      </a:endParaRPr>
+                    </a:p>
+                  </a:txBody>
+                  <a:tcPr marL="180023" marR="180023"/>
+                </a:tc>
+                <a:tc>
+                  <a:txBody>
+                    <a:bodyPr/>
+                    <a:lstStyle/>
+                    <a:p>
+                      <a:pPr algn="ctr"/>
+                      <a:endParaRPr lang="en-IN" sz="1700" b="1" dirty="0">
+                        <a:latin typeface="Times New Roman" pitchFamily="18" charset="0"/>
+                        <a:cs typeface="Times New Roman" pitchFamily="18" charset="0"/>
+                      </a:endParaRPr>
+                    </a:p>
+                  </a:txBody>
+                  <a:tcPr marL="180023" marR="180023"/>
+                </a:tc>
+                <a:tc>
+                  <a:txBody>
+                    <a:bodyPr/>
+                    <a:lstStyle/>
+                    <a:p>
+                      <a:pPr algn="ctr"/>
+                      <a:endParaRPr lang="en-IN" sz="1700" b="1" dirty="0">
+                        <a:latin typeface="Times New Roman" pitchFamily="18" charset="0"/>
+                        <a:cs typeface="Times New Roman" pitchFamily="18" charset="0"/>
+                      </a:endParaRPr>
+                    </a:p>
+                  </a:txBody>
+                  <a:tcPr marL="180023" marR="180023"/>
+                </a:tc>
+                <a:tc>
+                  <a:txBody>
+                    <a:bodyPr/>
+                    <a:lstStyle/>
+                    <a:p>
+                      <a:pPr algn="ctr"/>
+                      <a:endParaRPr lang="en-IN" sz="1700" b="1" dirty="0">
+                        <a:latin typeface="Times New Roman" pitchFamily="18" charset="0"/>
+                        <a:cs typeface="Times New Roman" pitchFamily="18" charset="0"/>
+                      </a:endParaRPr>
+                    </a:p>
+                  </a:txBody>
+                  <a:tcPr marL="180023" marR="180023"/>
+                </a:tc>
+                <a:tc>
+                  <a:txBody>
+                    <a:bodyPr/>
+                    <a:lstStyle/>
+                    <a:p>
+                      <a:pPr algn="ctr"/>
+                      <a:endParaRPr lang="en-IN" sz="1700" b="1" dirty="0">
+                        <a:latin typeface="Times New Roman" pitchFamily="18" charset="0"/>
+                        <a:cs typeface="Times New Roman" pitchFamily="18" charset="0"/>
+                      </a:endParaRPr>
+                    </a:p>
+                  </a:txBody>
+                  <a:tcPr marL="180023" marR="180023"/>
+                </a:tc>
+              </a:tr>
+              <a:tr h="249050">
+                <a:tc>
+                  <a:txBody>
+                    <a:bodyPr/>
+                    <a:lstStyle/>
+                    <a:p>
+                      <a:pPr algn="ctr"/>
+                      <a:endParaRPr lang="en-IN" sz="1700" b="1" dirty="0">
+                        <a:latin typeface="Times New Roman" pitchFamily="18" charset="0"/>
+                        <a:cs typeface="Times New Roman" pitchFamily="18" charset="0"/>
+                      </a:endParaRPr>
+                    </a:p>
+                  </a:txBody>
+                  <a:tcPr marL="180023" marR="180023"/>
+                </a:tc>
+                <a:tc>
+                  <a:txBody>
+                    <a:bodyPr/>
+                    <a:lstStyle/>
+                    <a:p>
+                      <a:pPr algn="ctr"/>
+                      <a:endParaRPr lang="en-IN" sz="1700" b="1" dirty="0">
+                        <a:latin typeface="Times New Roman" pitchFamily="18" charset="0"/>
+                        <a:cs typeface="Times New Roman" pitchFamily="18" charset="0"/>
+                      </a:endParaRPr>
+                    </a:p>
+                  </a:txBody>
+                  <a:tcPr marL="180023" marR="180023"/>
+                </a:tc>
+                <a:tc>
+                  <a:txBody>
+                    <a:bodyPr/>
+                    <a:lstStyle/>
+                    <a:p>
+                      <a:pPr algn="ctr"/>
+                      <a:endParaRPr lang="en-IN" sz="1700" b="1" dirty="0">
+                        <a:latin typeface="Times New Roman" pitchFamily="18" charset="0"/>
+                        <a:cs typeface="Times New Roman" pitchFamily="18" charset="0"/>
+                      </a:endParaRPr>
+                    </a:p>
+                  </a:txBody>
+                  <a:tcPr marL="180023" marR="180023"/>
+                </a:tc>
+                <a:tc>
+                  <a:txBody>
+                    <a:bodyPr/>
+                    <a:lstStyle/>
+                    <a:p>
+                      <a:pPr algn="ctr"/>
+                      <a:endParaRPr lang="en-IN" sz="1700" b="1" dirty="0">
+                        <a:latin typeface="Times New Roman" pitchFamily="18" charset="0"/>
+                        <a:cs typeface="Times New Roman" pitchFamily="18" charset="0"/>
+                      </a:endParaRPr>
+                    </a:p>
+                  </a:txBody>
+                  <a:tcPr marL="180023" marR="180023"/>
+                </a:tc>
+                <a:tc>
+                  <a:txBody>
+                    <a:bodyPr/>
+                    <a:lstStyle/>
+                    <a:p>
+                      <a:pPr algn="ctr"/>
+                      <a:endParaRPr lang="en-IN" sz="1700" b="1" dirty="0">
+                        <a:latin typeface="Times New Roman" pitchFamily="18" charset="0"/>
+                        <a:cs typeface="Times New Roman" pitchFamily="18" charset="0"/>
+                      </a:endParaRPr>
+                    </a:p>
+                  </a:txBody>
+                  <a:tcPr marL="180023" marR="180023"/>
+                </a:tc>
+                <a:tc>
+                  <a:txBody>
+                    <a:bodyPr/>
+                    <a:lstStyle/>
+                    <a:p>
+                      <a:pPr algn="ctr"/>
+                      <a:endParaRPr lang="en-IN" sz="1700" b="1" dirty="0">
+                        <a:latin typeface="Times New Roman" pitchFamily="18" charset="0"/>
+                        <a:cs typeface="Times New Roman" pitchFamily="18" charset="0"/>
+                      </a:endParaRPr>
+                    </a:p>
+                  </a:txBody>
+                  <a:tcPr marL="180023" marR="180023"/>
+                </a:tc>
+                <a:tc>
+                  <a:txBody>
+                    <a:bodyPr/>
+                    <a:lstStyle/>
+                    <a:p>
+                      <a:pPr algn="ctr"/>
+                      <a:endParaRPr lang="en-IN" sz="1700" b="1" dirty="0">
+                        <a:latin typeface="Times New Roman" pitchFamily="18" charset="0"/>
+                        <a:cs typeface="Times New Roman" pitchFamily="18" charset="0"/>
+                      </a:endParaRPr>
+                    </a:p>
+                  </a:txBody>
+                  <a:tcPr marL="180023" marR="180023"/>
+                </a:tc>
+              </a:tr>
+              <a:tr h="249050">
+                <a:tc>
+                  <a:txBody>
+                    <a:bodyPr/>
+                    <a:lstStyle/>
+                    <a:p>
+                      <a:pPr algn="ctr"/>
+                      <a:endParaRPr lang="en-IN" sz="1700" b="1" dirty="0">
+                        <a:latin typeface="Times New Roman" pitchFamily="18" charset="0"/>
+                        <a:cs typeface="Times New Roman" pitchFamily="18" charset="0"/>
+                      </a:endParaRPr>
+                    </a:p>
+                  </a:txBody>
+                  <a:tcPr marL="180023" marR="180023"/>
+                </a:tc>
+                <a:tc>
+                  <a:txBody>
+                    <a:bodyPr/>
+                    <a:lstStyle/>
+                    <a:p>
+                      <a:pPr algn="ctr"/>
+                      <a:endParaRPr lang="en-IN" sz="1700" b="1" dirty="0">
+                        <a:latin typeface="Times New Roman" pitchFamily="18" charset="0"/>
+                        <a:cs typeface="Times New Roman" pitchFamily="18" charset="0"/>
+                      </a:endParaRPr>
+                    </a:p>
+                  </a:txBody>
+                  <a:tcPr marL="180023" marR="180023"/>
+                </a:tc>
+                <a:tc>
+                  <a:txBody>
+                    <a:bodyPr/>
+                    <a:lstStyle/>
+                    <a:p>
+                      <a:pPr algn="ctr"/>
+                      <a:endParaRPr lang="en-IN" sz="1700" b="1" dirty="0">
+                        <a:latin typeface="Times New Roman" pitchFamily="18" charset="0"/>
+                        <a:cs typeface="Times New Roman" pitchFamily="18" charset="0"/>
+                      </a:endParaRPr>
+                    </a:p>
+                  </a:txBody>
+                  <a:tcPr marL="180023" marR="180023"/>
+                </a:tc>
+                <a:tc>
+                  <a:txBody>
+                    <a:bodyPr/>
+                    <a:lstStyle/>
+                    <a:p>
+                      <a:pPr algn="ctr"/>
+                      <a:endParaRPr lang="en-IN" sz="1700" b="1" dirty="0">
+                        <a:latin typeface="Times New Roman" pitchFamily="18" charset="0"/>
+                        <a:cs typeface="Times New Roman" pitchFamily="18" charset="0"/>
+                      </a:endParaRPr>
+                    </a:p>
+                  </a:txBody>
+                  <a:tcPr marL="180023" marR="180023"/>
+                </a:tc>
+                <a:tc>
+                  <a:txBody>
+                    <a:bodyPr/>
+                    <a:lstStyle/>
+                    <a:p>
+                      <a:pPr algn="ctr"/>
+                      <a:endParaRPr lang="en-IN" sz="1700" b="1" dirty="0">
+                        <a:latin typeface="Times New Roman" pitchFamily="18" charset="0"/>
+                        <a:cs typeface="Times New Roman" pitchFamily="18" charset="0"/>
+                      </a:endParaRPr>
+                    </a:p>
+                  </a:txBody>
+                  <a:tcPr marL="180023" marR="180023"/>
+                </a:tc>
+                <a:tc>
+                  <a:txBody>
+                    <a:bodyPr/>
+                    <a:lstStyle/>
+                    <a:p>
+                      <a:pPr algn="ctr"/>
+                      <a:endParaRPr lang="en-IN" sz="1700" b="1" dirty="0">
+                        <a:latin typeface="Times New Roman" pitchFamily="18" charset="0"/>
+                        <a:cs typeface="Times New Roman" pitchFamily="18" charset="0"/>
+                      </a:endParaRPr>
+                    </a:p>
+                  </a:txBody>
+                  <a:tcPr marL="180023" marR="180023"/>
+                </a:tc>
+                <a:tc>
+                  <a:txBody>
+                    <a:bodyPr/>
+                    <a:lstStyle/>
+                    <a:p>
+                      <a:pPr algn="ctr"/>
+                      <a:endParaRPr lang="en-IN" sz="1700" b="1" dirty="0">
+                        <a:latin typeface="Times New Roman" pitchFamily="18" charset="0"/>
+                        <a:cs typeface="Times New Roman" pitchFamily="18" charset="0"/>
+                      </a:endParaRPr>
+                    </a:p>
+                  </a:txBody>
+                  <a:tcPr marL="180023" marR="180023"/>
+                </a:tc>
+              </a:tr>
+              <a:tr h="259878">
+                <a:tc gridSpan="7">
+                  <a:txBody>
+                    <a:bodyPr/>
+                    <a:lstStyle/>
+                    <a:p>
+                      <a:pPr algn="ctr"/>
+                      <a:endParaRPr lang="en-IN" sz="1800" dirty="0">
+                        <a:latin typeface="Times New Roman" pitchFamily="18" charset="0"/>
+                        <a:cs typeface="Times New Roman" pitchFamily="18" charset="0"/>
+                      </a:endParaRPr>
+                    </a:p>
+                  </a:txBody>
+                  <a:tcPr marL="180023" marR="180023"/>
+                </a:tc>
+                <a:tc hMerge="1">
+                  <a:txBody>
+                    <a:bodyPr/>
+                    <a:lstStyle/>
+                    <a:p>
+                      <a:endParaRPr lang="en-IN" sz="1800" dirty="0">
+                        <a:latin typeface="Times New Roman" pitchFamily="18" charset="0"/>
+                        <a:cs typeface="Times New Roman" pitchFamily="18" charset="0"/>
+                      </a:endParaRPr>
+                    </a:p>
+                  </a:txBody>
+                  <a:tcPr marL="180023" marR="180023"/>
+                </a:tc>
+                <a:tc hMerge="1">
+                  <a:txBody>
+                    <a:bodyPr/>
+                    <a:lstStyle/>
+                    <a:p>
+                      <a:endParaRPr lang="en-IN" sz="1800" dirty="0">
+                        <a:latin typeface="Times New Roman" pitchFamily="18" charset="0"/>
+                        <a:cs typeface="Times New Roman" pitchFamily="18" charset="0"/>
+                      </a:endParaRPr>
+                    </a:p>
+                  </a:txBody>
+                  <a:tcPr marL="180023" marR="180023"/>
+                </a:tc>
+                <a:tc hMerge="1">
+                  <a:txBody>
+                    <a:bodyPr/>
+                    <a:lstStyle/>
+                    <a:p>
+                      <a:endParaRPr lang="en-IN" sz="1800" dirty="0">
+                        <a:latin typeface="Times New Roman" pitchFamily="18" charset="0"/>
+                        <a:cs typeface="Times New Roman" pitchFamily="18" charset="0"/>
+                      </a:endParaRPr>
+                    </a:p>
+                  </a:txBody>
+                  <a:tcPr marL="180023" marR="180023"/>
+                </a:tc>
+                <a:tc hMerge="1">
+                  <a:txBody>
+                    <a:bodyPr/>
+                    <a:lstStyle/>
+                    <a:p>
+                      <a:endParaRPr lang="en-IN" sz="1800" dirty="0">
+                        <a:latin typeface="Times New Roman" pitchFamily="18" charset="0"/>
+                        <a:cs typeface="Times New Roman" pitchFamily="18" charset="0"/>
+                      </a:endParaRPr>
+                    </a:p>
+                  </a:txBody>
+                  <a:tcPr marL="180023" marR="180023"/>
+                </a:tc>
+                <a:tc hMerge="1">
+                  <a:txBody>
+                    <a:bodyPr/>
+                    <a:lstStyle/>
+                    <a:p>
+                      <a:endParaRPr lang="en-IN" sz="1800" dirty="0">
+                        <a:latin typeface="Times New Roman" pitchFamily="18" charset="0"/>
+                        <a:cs typeface="Times New Roman" pitchFamily="18" charset="0"/>
+                      </a:endParaRPr>
+                    </a:p>
+                  </a:txBody>
+                  <a:tcPr marL="180023" marR="180023"/>
+                </a:tc>
+                <a:tc hMerge="1">
+                  <a:txBody>
+                    <a:bodyPr/>
+                    <a:lstStyle/>
+                    <a:p>
+                      <a:endParaRPr lang="en-IN" sz="1800" dirty="0">
+                        <a:latin typeface="Times New Roman" pitchFamily="18" charset="0"/>
+                        <a:cs typeface="Times New Roman" pitchFamily="18" charset="0"/>
+                      </a:endParaRPr>
+                    </a:p>
+                  </a:txBody>
+                  <a:tcPr marL="180023" marR="180023"/>
+                </a:tc>
+              </a:tr>
+            </a:tbl>
+          </a:graphicData>
+        </a:graphic>
+      </p:graphicFrame>
+      <p:sp>
+        <p:nvSpPr>
+          <p:cNvPr id="10" name="Rectangle 9"/>
+          <p:cNvSpPr/>
+          <p:nvPr/>
+        </p:nvSpPr>
+        <p:spPr>
+          <a:xfrm>
+            <a:off x="3202708" y="616246"/>
+            <a:ext cx="1432120" cy="401706"/>
+          </a:xfrm>
+          <a:prstGeom prst="rect">
+            <a:avLst/>
+          </a:prstGeom>
+        </p:spPr>
+        <p:style>
+          <a:lnRef idx="1">
+            <a:schemeClr val="accent3"/>
+          </a:lnRef>
+          <a:fillRef idx="2">
+            <a:schemeClr val="accent3"/>
+          </a:fillRef>
+          <a:effectRef idx="1">
+            <a:schemeClr val="accent3"/>
+          </a:effectRef>
+          <a:fontRef idx="minor">
+            <a:schemeClr val="dk1"/>
+          </a:fontRef>
+        </p:style>
+        <p:txBody>
+          <a:bodyPr rtlCol="0" anchor="ctr"/>
+          <a:lstStyle/>
+          <a:p>
+            <a:pPr algn="ctr"/>
+            <a:r>
+              <a:rPr lang="en-US" sz="1700" dirty="0" smtClean="0">
+                <a:latin typeface="Times New Roman" pitchFamily="18" charset="0"/>
+                <a:cs typeface="Times New Roman" pitchFamily="18" charset="0"/>
+              </a:rPr>
+              <a:t>CREATE</a:t>
+            </a:r>
+            <a:endParaRPr lang="en-IN" sz="1700" dirty="0">
+              <a:latin typeface="Times New Roman" pitchFamily="18" charset="0"/>
+              <a:cs typeface="Times New Roman" pitchFamily="18" charset="0"/>
+            </a:endParaRPr>
+          </a:p>
+        </p:txBody>
+      </p:sp>
+      <p:sp>
+        <p:nvSpPr>
+          <p:cNvPr id="11" name="Rectangle 10"/>
+          <p:cNvSpPr/>
+          <p:nvPr/>
+        </p:nvSpPr>
+        <p:spPr>
+          <a:xfrm>
+            <a:off x="6336829" y="3573016"/>
+            <a:ext cx="7848872" cy="2520280"/>
+          </a:xfrm>
+          <a:prstGeom prst="rect">
+            <a:avLst/>
+          </a:prstGeom>
+        </p:spPr>
+        <p:style>
+          <a:lnRef idx="2">
+            <a:schemeClr val="dk1"/>
+          </a:lnRef>
+          <a:fillRef idx="1">
+            <a:schemeClr val="lt1"/>
+          </a:fillRef>
+          <a:effectRef idx="0">
+            <a:schemeClr val="dk1"/>
+          </a:effectRef>
+          <a:fontRef idx="minor">
+            <a:schemeClr val="dk1"/>
+          </a:fontRef>
+        </p:style>
+        <p:txBody>
+          <a:bodyPr rtlCol="0" anchor="ctr"/>
+          <a:lstStyle/>
+          <a:p>
+            <a:pPr algn="ctr"/>
+            <a:r>
+              <a:rPr lang="en-US" b="1" dirty="0" smtClean="0"/>
+              <a:t>CURD OPERATION ON IDEA &amp; IDEA RISK TABLE</a:t>
+            </a:r>
+          </a:p>
+          <a:p>
+            <a:pPr algn="ctr"/>
+            <a:r>
+              <a:rPr lang="en-US" b="1" dirty="0" smtClean="0">
+                <a:solidFill>
+                  <a:srgbClr val="FF0000"/>
+                </a:solidFill>
+              </a:rPr>
+              <a:t>ONCLICK CREATE</a:t>
+            </a:r>
+            <a:endParaRPr lang="en-IN" b="1" dirty="0">
+              <a:solidFill>
+                <a:srgbClr val="FF0000"/>
+              </a:solidFill>
+            </a:endParaRPr>
+          </a:p>
+        </p:txBody>
+      </p:sp>
+    </p:spTree>
+    <p:extLst>
+      <p:ext uri="{BB962C8B-B14F-4D97-AF65-F5344CB8AC3E}">
+        <p14:creationId xmlns:p14="http://schemas.microsoft.com/office/powerpoint/2010/main" val="1223122010"/>
       </p:ext>
     </p:extLst>
   </p:cSld>
